--- a/Images/Figures_To_Review/PieCharts_Metabolic/SAR/SARNoRaptorv2.pptx
+++ b/Images/Figures_To_Review/PieCharts_Metabolic/SAR/SARNoRaptorv2.pptx
@@ -307,7 +307,7 @@
           <a:p>
             <a:fld id="{E6744CE3-0875-4B69-89C0-6F72D8139561}" type="datetimeFigureOut">
               <a:rPr lang="en-GB" smtClean="0"/>
-              <a:t>15/05/2025</a:t>
+              <a:t>03/06/2025</a:t>
             </a:fld>
             <a:endParaRPr lang="en-GB"/>
           </a:p>
@@ -477,7 +477,7 @@
           <a:p>
             <a:fld id="{E6744CE3-0875-4B69-89C0-6F72D8139561}" type="datetimeFigureOut">
               <a:rPr lang="en-GB" smtClean="0"/>
-              <a:t>15/05/2025</a:t>
+              <a:t>03/06/2025</a:t>
             </a:fld>
             <a:endParaRPr lang="en-GB"/>
           </a:p>
@@ -723,7 +723,7 @@
           <a:p>
             <a:fld id="{E6744CE3-0875-4B69-89C0-6F72D8139561}" type="datetimeFigureOut">
               <a:rPr lang="en-GB" smtClean="0"/>
-              <a:t>15/05/2025</a:t>
+              <a:t>03/06/2025</a:t>
             </a:fld>
             <a:endParaRPr lang="en-GB"/>
           </a:p>
@@ -1011,7 +1011,7 @@
           <a:p>
             <a:fld id="{E6744CE3-0875-4B69-89C0-6F72D8139561}" type="datetimeFigureOut">
               <a:rPr lang="en-GB" smtClean="0"/>
-              <a:t>15/05/2025</a:t>
+              <a:t>03/06/2025</a:t>
             </a:fld>
             <a:endParaRPr lang="en-GB"/>
           </a:p>
@@ -1433,7 +1433,7 @@
           <a:p>
             <a:fld id="{E6744CE3-0875-4B69-89C0-6F72D8139561}" type="datetimeFigureOut">
               <a:rPr lang="en-GB" smtClean="0"/>
-              <a:t>15/05/2025</a:t>
+              <a:t>03/06/2025</a:t>
             </a:fld>
             <a:endParaRPr lang="en-GB"/>
           </a:p>
@@ -1551,7 +1551,7 @@
           <a:p>
             <a:fld id="{E6744CE3-0875-4B69-89C0-6F72D8139561}" type="datetimeFigureOut">
               <a:rPr lang="en-GB" smtClean="0"/>
-              <a:t>15/05/2025</a:t>
+              <a:t>03/06/2025</a:t>
             </a:fld>
             <a:endParaRPr lang="en-GB"/>
           </a:p>
@@ -1646,7 +1646,7 @@
           <a:p>
             <a:fld id="{E6744CE3-0875-4B69-89C0-6F72D8139561}" type="datetimeFigureOut">
               <a:rPr lang="en-GB" smtClean="0"/>
-              <a:t>15/05/2025</a:t>
+              <a:t>03/06/2025</a:t>
             </a:fld>
             <a:endParaRPr lang="en-GB"/>
           </a:p>
@@ -1859,7 +1859,7 @@
           <a:p>
             <a:fld id="{E6744CE3-0875-4B69-89C0-6F72D8139561}" type="datetimeFigureOut">
               <a:rPr lang="en-GB" smtClean="0"/>
-              <a:t>15/05/2025</a:t>
+              <a:t>03/06/2025</a:t>
             </a:fld>
             <a:endParaRPr lang="en-GB"/>
           </a:p>
@@ -2238,10 +2238,10 @@
         </p:nvGrpSpPr>
         <p:grpSpPr>
           <a:xfrm>
-            <a:off x="0" y="1342"/>
-            <a:ext cx="9144000" cy="6400800"/>
-            <a:chOff x="914400" y="914400"/>
-            <a:chExt cx="9144000" cy="6400800"/>
+            <a:off x="-865717" y="25676"/>
+            <a:ext cx="10009717" cy="6400800"/>
+            <a:chOff x="48683" y="938734"/>
+            <a:chExt cx="10009717" cy="6400800"/>
           </a:xfrm>
         </p:grpSpPr>
         <p:sp>
@@ -2252,7 +2252,7 @@
           </p:nvSpPr>
           <p:spPr>
             <a:xfrm>
-              <a:off x="914400" y="914400"/>
+              <a:off x="914400" y="938734"/>
               <a:ext cx="9144000" cy="6400800"/>
             </a:xfrm>
             <a:prstGeom prst="rect">
@@ -3742,14 +3742,14 @@
                 </a:spcAft>
               </a:pPr>
               <a:r>
-                <a:rPr sz="1200" dirty="0">
+                <a:rPr sz="1200" b="1" dirty="0">
                   <a:solidFill>
                     <a:srgbClr val="000000">
                       <a:alpha val="100000"/>
                     </a:srgbClr>
                   </a:solidFill>
-                  <a:latin typeface="Arial"/>
-                  <a:cs typeface="Arial"/>
+                  <a:latin typeface="Times New Roman" panose="02020603050405020304" pitchFamily="18" charset="0"/>
+                  <a:cs typeface="Times New Roman" panose="02020603050405020304" pitchFamily="18" charset="0"/>
                 </a:rPr>
                 <a:t>Plastid Parasite </a:t>
               </a:r>
@@ -3788,14 +3788,14 @@
                 </a:spcAft>
               </a:pPr>
               <a:r>
-                <a:rPr sz="1200" dirty="0">
+                <a:rPr sz="1200" b="1" dirty="0">
                   <a:solidFill>
                     <a:srgbClr val="000000">
                       <a:alpha val="100000"/>
                     </a:srgbClr>
                   </a:solidFill>
-                  <a:latin typeface="Arial"/>
-                  <a:cs typeface="Arial"/>
+                  <a:latin typeface="Times New Roman" panose="02020603050405020304" pitchFamily="18" charset="0"/>
+                  <a:cs typeface="Times New Roman" panose="02020603050405020304" pitchFamily="18" charset="0"/>
                 </a:rPr>
                 <a:t> 83.721 %</a:t>
               </a:r>
@@ -3834,16 +3834,52 @@
                 </a:spcAft>
               </a:pPr>
               <a:r>
+                <a:rPr sz="1200" b="1" dirty="0">
+                  <a:solidFill>
+                    <a:srgbClr val="000000">
+                      <a:alpha val="100000"/>
+                    </a:srgbClr>
+                  </a:solidFill>
+                  <a:latin typeface="Times New Roman" panose="02020603050405020304" pitchFamily="18" charset="0"/>
+                  <a:cs typeface="Times New Roman" panose="02020603050405020304" pitchFamily="18" charset="0"/>
+                </a:rPr>
+                <a:t>Non-Plastid</a:t>
+              </a:r>
+              <a:r>
                 <a:rPr sz="1200" dirty="0">
                   <a:solidFill>
                     <a:srgbClr val="000000">
                       <a:alpha val="100000"/>
                     </a:srgbClr>
                   </a:solidFill>
-                  <a:latin typeface="Arial"/>
-                  <a:cs typeface="Arial"/>
+                  <a:latin typeface="Times New Roman" panose="02020603050405020304" pitchFamily="18" charset="0"/>
+                  <a:cs typeface="Times New Roman" panose="02020603050405020304" pitchFamily="18" charset="0"/>
                 </a:rPr>
-                <a:t>Non-Plastid Parasite </a:t>
+                <a:t> </a:t>
+              </a:r>
+              <a:r>
+                <a:rPr sz="1200" b="1" dirty="0">
+                  <a:solidFill>
+                    <a:srgbClr val="000000">
+                      <a:alpha val="100000"/>
+                    </a:srgbClr>
+                  </a:solidFill>
+                  <a:latin typeface="Times New Roman" panose="02020603050405020304" pitchFamily="18" charset="0"/>
+                  <a:cs typeface="Times New Roman" panose="02020603050405020304" pitchFamily="18" charset="0"/>
+                </a:rPr>
+                <a:t>Parasite</a:t>
+              </a:r>
+              <a:r>
+                <a:rPr sz="1200" dirty="0">
+                  <a:solidFill>
+                    <a:srgbClr val="000000">
+                      <a:alpha val="100000"/>
+                    </a:srgbClr>
+                  </a:solidFill>
+                  <a:latin typeface="Times New Roman" panose="02020603050405020304" pitchFamily="18" charset="0"/>
+                  <a:cs typeface="Times New Roman" panose="02020603050405020304" pitchFamily="18" charset="0"/>
+                </a:rPr>
+                <a:t> </a:t>
               </a:r>
             </a:p>
           </p:txBody>
@@ -3886,10 +3922,34 @@
                       <a:alpha val="100000"/>
                     </a:srgbClr>
                   </a:solidFill>
-                  <a:latin typeface="Arial"/>
-                  <a:cs typeface="Arial"/>
+                  <a:latin typeface="Times New Roman" panose="02020603050405020304" pitchFamily="18" charset="0"/>
+                  <a:cs typeface="Times New Roman" panose="02020603050405020304" pitchFamily="18" charset="0"/>
                 </a:rPr>
-                <a:t> 0.775 %</a:t>
+                <a:t> </a:t>
+              </a:r>
+              <a:r>
+                <a:rPr sz="1200" b="1" dirty="0">
+                  <a:solidFill>
+                    <a:srgbClr val="000000">
+                      <a:alpha val="100000"/>
+                    </a:srgbClr>
+                  </a:solidFill>
+                  <a:latin typeface="Times New Roman" panose="02020603050405020304" pitchFamily="18" charset="0"/>
+                  <a:cs typeface="Times New Roman" panose="02020603050405020304" pitchFamily="18" charset="0"/>
+                </a:rPr>
+                <a:t>0.775</a:t>
+              </a:r>
+              <a:r>
+                <a:rPr sz="1200" dirty="0">
+                  <a:solidFill>
+                    <a:srgbClr val="000000">
+                      <a:alpha val="100000"/>
+                    </a:srgbClr>
+                  </a:solidFill>
+                  <a:latin typeface="Times New Roman" panose="02020603050405020304" pitchFamily="18" charset="0"/>
+                  <a:cs typeface="Times New Roman" panose="02020603050405020304" pitchFamily="18" charset="0"/>
+                </a:rPr>
+                <a:t> %</a:t>
               </a:r>
             </a:p>
           </p:txBody>
@@ -3926,14 +3986,14 @@
                 </a:spcAft>
               </a:pPr>
               <a:r>
-                <a:rPr sz="1200" dirty="0">
+                <a:rPr sz="1200" b="1" dirty="0">
                   <a:solidFill>
                     <a:srgbClr val="000000">
                       <a:alpha val="100000"/>
                     </a:srgbClr>
                   </a:solidFill>
-                  <a:latin typeface="Arial"/>
-                  <a:cs typeface="Arial"/>
+                  <a:latin typeface="Times New Roman" panose="02020603050405020304" pitchFamily="18" charset="0"/>
+                  <a:cs typeface="Times New Roman" panose="02020603050405020304" pitchFamily="18" charset="0"/>
                 </a:rPr>
                 <a:t>Heterotroph</a:t>
               </a:r>
@@ -3944,8 +4004,8 @@
                       <a:alpha val="100000"/>
                     </a:srgbClr>
                   </a:solidFill>
-                  <a:latin typeface="Arial"/>
-                  <a:cs typeface="Arial"/>
+                  <a:latin typeface="Times New Roman" panose="02020603050405020304" pitchFamily="18" charset="0"/>
+                  <a:cs typeface="Times New Roman" panose="02020603050405020304" pitchFamily="18" charset="0"/>
                 </a:rPr>
                 <a:t> </a:t>
               </a:r>
@@ -3993,7 +4053,31 @@
                   <a:latin typeface="Arial"/>
                   <a:cs typeface="Arial"/>
                 </a:rPr>
-                <a:t> 8.527 %</a:t>
+                <a:t> </a:t>
+              </a:r>
+              <a:r>
+                <a:rPr sz="1200" b="1" dirty="0">
+                  <a:solidFill>
+                    <a:srgbClr val="000000">
+                      <a:alpha val="100000"/>
+                    </a:srgbClr>
+                  </a:solidFill>
+                  <a:latin typeface="Times New Roman" panose="02020603050405020304" pitchFamily="18" charset="0"/>
+                  <a:cs typeface="Times New Roman" panose="02020603050405020304" pitchFamily="18" charset="0"/>
+                </a:rPr>
+                <a:t>8.527</a:t>
+              </a:r>
+              <a:r>
+                <a:rPr sz="1200" dirty="0">
+                  <a:solidFill>
+                    <a:srgbClr val="000000">
+                      <a:alpha val="100000"/>
+                    </a:srgbClr>
+                  </a:solidFill>
+                  <a:latin typeface="Arial"/>
+                  <a:cs typeface="Arial"/>
+                </a:rPr>
+                <a:t> %</a:t>
               </a:r>
             </a:p>
           </p:txBody>
@@ -4030,14 +4114,14 @@
                 </a:spcAft>
               </a:pPr>
               <a:r>
-                <a:rPr sz="1200" dirty="0">
+                <a:rPr sz="1200" b="1" dirty="0">
                   <a:solidFill>
                     <a:srgbClr val="000000">
                       <a:alpha val="100000"/>
                     </a:srgbClr>
                   </a:solidFill>
-                  <a:latin typeface="Arial"/>
-                  <a:cs typeface="Arial"/>
+                  <a:latin typeface="Times New Roman" panose="02020603050405020304" pitchFamily="18" charset="0"/>
+                  <a:cs typeface="Times New Roman" panose="02020603050405020304" pitchFamily="18" charset="0"/>
                 </a:rPr>
                 <a:t>Endosymbiotic</a:t>
               </a:r>
@@ -4088,14 +4172,14 @@
                 </a:spcAft>
               </a:pPr>
               <a:r>
-                <a:rPr sz="1200" dirty="0">
+                <a:rPr sz="1200" b="1" dirty="0">
                   <a:solidFill>
                     <a:srgbClr val="000000">
                       <a:alpha val="100000"/>
                     </a:srgbClr>
                   </a:solidFill>
-                  <a:latin typeface="Arial"/>
-                  <a:cs typeface="Arial"/>
+                  <a:latin typeface="Times New Roman" panose="02020603050405020304" pitchFamily="18" charset="0"/>
+                  <a:cs typeface="Times New Roman" panose="02020603050405020304" pitchFamily="18" charset="0"/>
                 </a:rPr>
                 <a:t> 6.977 %</a:t>
               </a:r>
@@ -4110,7 +4194,7 @@
           </p:nvSpPr>
           <p:spPr>
             <a:xfrm>
-              <a:off x="914400" y="963144"/>
+              <a:off x="48683" y="1044870"/>
               <a:ext cx="5268217" cy="152578"/>
             </a:xfrm>
             <a:prstGeom prst="rect">
@@ -4134,7 +4218,7 @@
                 </a:spcAft>
               </a:pPr>
               <a:r>
-                <a:rPr sz="1320" dirty="0">
+                <a:rPr b="1" dirty="0">
                   <a:solidFill>
                     <a:srgbClr val="000000">
                       <a:alpha val="100000"/>
@@ -4143,7 +4227,31 @@
                   <a:latin typeface="Times New Roman"/>
                   <a:cs typeface="Times New Roman"/>
                 </a:rPr>
-                <a:t>Metabolic Strategy Breakdown of SAR Organisms That Don't Have RAPTOR</a:t>
+                <a:t>Metabolic Strategy </a:t>
+              </a:r>
+              <a:r>
+                <a:rPr lang="en-US" b="1" dirty="0">
+                  <a:solidFill>
+                    <a:srgbClr val="000000">
+                      <a:alpha val="100000"/>
+                    </a:srgbClr>
+                  </a:solidFill>
+                  <a:latin typeface="Times New Roman"/>
+                  <a:cs typeface="Times New Roman"/>
+                </a:rPr>
+                <a:t>No </a:t>
+              </a:r>
+              <a:r>
+                <a:rPr b="1" dirty="0">
+                  <a:solidFill>
+                    <a:srgbClr val="000000">
+                      <a:alpha val="100000"/>
+                    </a:srgbClr>
+                  </a:solidFill>
+                  <a:latin typeface="Times New Roman"/>
+                  <a:cs typeface="Times New Roman"/>
+                </a:rPr>
+                <a:t>RAPTOR</a:t>
               </a:r>
             </a:p>
           </p:txBody>

--- a/Images/Figures_To_Review/PieCharts_Metabolic/SAR/SARNoRaptorv2.pptx
+++ b/Images/Figures_To_Review/PieCharts_Metabolic/SAR/SARNoRaptorv2.pptx
@@ -307,7 +307,7 @@
           <a:p>
             <a:fld id="{E6744CE3-0875-4B69-89C0-6F72D8139561}" type="datetimeFigureOut">
               <a:rPr lang="en-GB" smtClean="0"/>
-              <a:t>03/06/2025</a:t>
+              <a:t>05/06/2025</a:t>
             </a:fld>
             <a:endParaRPr lang="en-GB"/>
           </a:p>
@@ -477,7 +477,7 @@
           <a:p>
             <a:fld id="{E6744CE3-0875-4B69-89C0-6F72D8139561}" type="datetimeFigureOut">
               <a:rPr lang="en-GB" smtClean="0"/>
-              <a:t>03/06/2025</a:t>
+              <a:t>05/06/2025</a:t>
             </a:fld>
             <a:endParaRPr lang="en-GB"/>
           </a:p>
@@ -723,7 +723,7 @@
           <a:p>
             <a:fld id="{E6744CE3-0875-4B69-89C0-6F72D8139561}" type="datetimeFigureOut">
               <a:rPr lang="en-GB" smtClean="0"/>
-              <a:t>03/06/2025</a:t>
+              <a:t>05/06/2025</a:t>
             </a:fld>
             <a:endParaRPr lang="en-GB"/>
           </a:p>
@@ -1011,7 +1011,7 @@
           <a:p>
             <a:fld id="{E6744CE3-0875-4B69-89C0-6F72D8139561}" type="datetimeFigureOut">
               <a:rPr lang="en-GB" smtClean="0"/>
-              <a:t>03/06/2025</a:t>
+              <a:t>05/06/2025</a:t>
             </a:fld>
             <a:endParaRPr lang="en-GB"/>
           </a:p>
@@ -1433,7 +1433,7 @@
           <a:p>
             <a:fld id="{E6744CE3-0875-4B69-89C0-6F72D8139561}" type="datetimeFigureOut">
               <a:rPr lang="en-GB" smtClean="0"/>
-              <a:t>03/06/2025</a:t>
+              <a:t>05/06/2025</a:t>
             </a:fld>
             <a:endParaRPr lang="en-GB"/>
           </a:p>
@@ -1551,7 +1551,7 @@
           <a:p>
             <a:fld id="{E6744CE3-0875-4B69-89C0-6F72D8139561}" type="datetimeFigureOut">
               <a:rPr lang="en-GB" smtClean="0"/>
-              <a:t>03/06/2025</a:t>
+              <a:t>05/06/2025</a:t>
             </a:fld>
             <a:endParaRPr lang="en-GB"/>
           </a:p>
@@ -1646,7 +1646,7 @@
           <a:p>
             <a:fld id="{E6744CE3-0875-4B69-89C0-6F72D8139561}" type="datetimeFigureOut">
               <a:rPr lang="en-GB" smtClean="0"/>
-              <a:t>03/06/2025</a:t>
+              <a:t>05/06/2025</a:t>
             </a:fld>
             <a:endParaRPr lang="en-GB"/>
           </a:p>
@@ -1859,7 +1859,7 @@
           <a:p>
             <a:fld id="{E6744CE3-0875-4B69-89C0-6F72D8139561}" type="datetimeFigureOut">
               <a:rPr lang="en-GB" smtClean="0"/>
-              <a:t>03/06/2025</a:t>
+              <a:t>05/06/2025</a:t>
             </a:fld>
             <a:endParaRPr lang="en-GB"/>
           </a:p>
@@ -2238,10 +2238,10 @@
         </p:nvGrpSpPr>
         <p:grpSpPr>
           <a:xfrm>
-            <a:off x="-865717" y="25676"/>
-            <a:ext cx="10009717" cy="6400800"/>
-            <a:chOff x="48683" y="938734"/>
-            <a:chExt cx="10009717" cy="6400800"/>
+            <a:off x="-667628" y="25676"/>
+            <a:ext cx="9811628" cy="6400800"/>
+            <a:chOff x="246772" y="938734"/>
+            <a:chExt cx="9811628" cy="6400800"/>
           </a:xfrm>
         </p:grpSpPr>
         <p:sp>
@@ -4194,7 +4194,7 @@
           </p:nvSpPr>
           <p:spPr>
             <a:xfrm>
-              <a:off x="48683" y="1044870"/>
+              <a:off x="246772" y="1050549"/>
               <a:ext cx="5268217" cy="152578"/>
             </a:xfrm>
             <a:prstGeom prst="rect">
@@ -4227,7 +4227,31 @@
                   <a:latin typeface="Times New Roman"/>
                   <a:cs typeface="Times New Roman"/>
                 </a:rPr>
-                <a:t>Metabolic Strategy </a:t>
+                <a:t>Metabolic Strategy</a:t>
+              </a:r>
+              <a:r>
+                <a:rPr lang="en-US" b="1" dirty="0">
+                  <a:solidFill>
+                    <a:srgbClr val="000000">
+                      <a:alpha val="100000"/>
+                    </a:srgbClr>
+                  </a:solidFill>
+                  <a:latin typeface="Times New Roman"/>
+                  <a:cs typeface="Times New Roman"/>
+                </a:rPr>
+                <a:t> SAR</a:t>
+              </a:r>
+              <a:r>
+                <a:rPr b="1" dirty="0">
+                  <a:solidFill>
+                    <a:srgbClr val="000000">
+                      <a:alpha val="100000"/>
+                    </a:srgbClr>
+                  </a:solidFill>
+                  <a:latin typeface="Times New Roman"/>
+                  <a:cs typeface="Times New Roman"/>
+                </a:rPr>
+                <a:t> </a:t>
               </a:r>
               <a:r>
                 <a:rPr lang="en-US" b="1" dirty="0">
